--- a/Documentation/Increment3/PPT/Increment 3 -  Smart Shopping.pptx
+++ b/Documentation/Increment3/PPT/Increment 3 -  Smart Shopping.pptx
@@ -15,6 +15,7 @@
     <p:sldId id="260" r:id="rId12"/>
     <p:sldId id="261" r:id="rId13"/>
     <p:sldId id="262" r:id="rId14"/>
+    <p:sldId id="263" r:id="rId15"/>
   </p:sldIdLst>
   <p:sldSz cx="9144000" cy="6858000"/>
   <p:notesSz cx="6858000" cy="9144000"/>
@@ -541,7 +542,7 @@
         <p:spPr>
           <a:xfrm>
             <a:off x="0" y="4752125"/>
-            <a:ext cx="9144001" cy="2112963"/>
+            <a:ext cx="9144000" cy="2112963"/>
           </a:xfrm>
           <a:custGeom>
             <a:avLst/>
@@ -578,7 +579,7 @@
                 </a:lnTo>
                 <a:cubicBezTo>
                   <a:pt x="12075" y="19571"/>
-                  <a:pt x="8437" y="18598"/>
+                  <a:pt x="8438" y="18598"/>
                   <a:pt x="0" y="17299"/>
                 </a:cubicBezTo>
                 <a:close/>
@@ -624,7 +625,7 @@
         <p:spPr>
           <a:xfrm>
             <a:off x="6105525" y="0"/>
-            <a:ext cx="3038476" cy="6858001"/>
+            <a:ext cx="3038475" cy="6858001"/>
           </a:xfrm>
           <a:custGeom>
             <a:avLst/>
@@ -1287,7 +1288,7 @@
         <p:spPr>
           <a:xfrm>
             <a:off x="0" y="4752125"/>
-            <a:ext cx="9144001" cy="2112963"/>
+            <a:ext cx="9144000" cy="2112963"/>
           </a:xfrm>
           <a:custGeom>
             <a:avLst/>
@@ -1324,7 +1325,7 @@
                 </a:lnTo>
                 <a:cubicBezTo>
                   <a:pt x="12075" y="19571"/>
-                  <a:pt x="8437" y="18598"/>
+                  <a:pt x="8438" y="18598"/>
                   <a:pt x="0" y="17299"/>
                 </a:cubicBezTo>
                 <a:close/>
@@ -1370,7 +1371,7 @@
         <p:spPr>
           <a:xfrm>
             <a:off x="6105525" y="0"/>
-            <a:ext cx="3038476" cy="6858001"/>
+            <a:ext cx="3038475" cy="6858001"/>
           </a:xfrm>
           <a:custGeom>
             <a:avLst/>
@@ -2572,7 +2573,7 @@
         <p:spPr>
           <a:xfrm>
             <a:off x="0" y="4752125"/>
-            <a:ext cx="9144001" cy="2112963"/>
+            <a:ext cx="9144000" cy="2112963"/>
           </a:xfrm>
           <a:custGeom>
             <a:avLst/>
@@ -2609,7 +2610,7 @@
                 </a:lnTo>
                 <a:cubicBezTo>
                   <a:pt x="12075" y="19571"/>
-                  <a:pt x="8437" y="18598"/>
+                  <a:pt x="8438" y="18598"/>
                   <a:pt x="0" y="17299"/>
                 </a:cubicBezTo>
                 <a:close/>
@@ -2655,7 +2656,7 @@
         <p:spPr>
           <a:xfrm>
             <a:off x="7315200" y="0"/>
-            <a:ext cx="1828801" cy="6858001"/>
+            <a:ext cx="1828800" cy="6858001"/>
           </a:xfrm>
           <a:custGeom>
             <a:avLst/>
@@ -3752,7 +3753,7 @@
         </p:nvSpPr>
         <p:spPr>
           <a:xfrm>
-            <a:off x="1715749" y="3513312"/>
+            <a:off x="1715749" y="3513311"/>
             <a:ext cx="6480050" cy="1752601"/>
           </a:xfrm>
           <a:prstGeom prst="rect">
@@ -3851,8 +3852,8 @@
         </p:nvSpPr>
         <p:spPr>
           <a:xfrm>
-            <a:off x="457200" y="1600200"/>
-            <a:ext cx="7467600" cy="4525963"/>
+            <a:off x="457200" y="2082800"/>
+            <a:ext cx="7467600" cy="4040337"/>
           </a:xfrm>
           <a:prstGeom prst="rect">
             <a:avLst/>
@@ -3862,42 +3863,49 @@
           <a:bodyPr/>
           <a:lstStyle/>
           <a:p>
-            <a:pPr marL="382767" indent="-349483" algn="just" defTabSz="832104">
+            <a:pPr algn="just">
               <a:lnSpc>
                 <a:spcPct val="90000"/>
               </a:lnSpc>
-              <a:spcBef>
-                <a:spcPts val="600"/>
-              </a:spcBef>
-              <a:defRPr sz="2730"/>
             </a:pPr>
             <a:r>
-              <a:t>Develop a mobile application that has access to augmented reality in order to assist a user when they are shopping for furniture, so they can see it before they buy it.</a:t>
-            </a:r>
-          </a:p>
-          <a:p>
-            <a:pPr marL="382767" indent="-349483" algn="just" defTabSz="832104">
+              <a:t>Develop a mobile application that</a:t>
+            </a:r>
+          </a:p>
+          <a:p>
+            <a:pPr lvl="1" marL="832103" indent="-384047" algn="just">
               <a:lnSpc>
                 <a:spcPct val="90000"/>
               </a:lnSpc>
-              <a:spcBef>
-                <a:spcPts val="600"/>
-              </a:spcBef>
-              <a:defRPr sz="2730"/>
+              <a:buSzPct val="80000"/>
+              <a:buChar char="⦿"/>
             </a:pPr>
-          </a:p>
-          <a:p>
-            <a:pPr marL="382767" indent="-349483" algn="just" defTabSz="832104">
+            <a:r>
+              <a:t>Assists User in shopping smartly.</a:t>
+            </a:r>
+          </a:p>
+          <a:p>
+            <a:pPr lvl="1" marL="832103" indent="-384047" algn="just">
               <a:lnSpc>
                 <a:spcPct val="90000"/>
               </a:lnSpc>
-              <a:spcBef>
-                <a:spcPts val="600"/>
-              </a:spcBef>
-              <a:defRPr sz="2730"/>
+              <a:buSzPct val="80000"/>
+              <a:buChar char="⦿"/>
             </a:pPr>
             <a:r>
-              <a:t>Our app differs from others in that the user would be able to have models generated for any piece of furniture they take a picture of, or picture they find online. Once the model is generated, the user could view how it would look in their home.</a:t>
+              <a:t>Integrated AR to visualize products.</a:t>
+            </a:r>
+          </a:p>
+          <a:p>
+            <a:pPr lvl="1" marL="832103" indent="-384047" algn="just">
+              <a:lnSpc>
+                <a:spcPct val="90000"/>
+              </a:lnSpc>
+              <a:buSzPct val="80000"/>
+              <a:buChar char="⦿"/>
+            </a:pPr>
+            <a:r>
+              <a:t>Enhanced shopping experiences.</a:t>
             </a:r>
           </a:p>
         </p:txBody>
@@ -3930,7 +3938,31 @@
       </p:grpSpPr>
       <p:sp>
         <p:nvSpPr>
-          <p:cNvPr id="123" name="Content Placeholder 2"/>
+          <p:cNvPr id="123" name="Title 1"/>
+          <p:cNvSpPr txBox="1"/>
+          <p:nvPr>
+            <p:ph type="title"/>
+          </p:nvPr>
+        </p:nvSpPr>
+        <p:spPr>
+          <a:prstGeom prst="rect">
+            <a:avLst/>
+          </a:prstGeom>
+        </p:spPr>
+        <p:txBody>
+          <a:bodyPr/>
+          <a:lstStyle/>
+          <a:p>
+            <a:pPr/>
+            <a:r>
+              <a:t>Application’s Uniqueness</a:t>
+            </a:r>
+          </a:p>
+        </p:txBody>
+      </p:sp>
+      <p:sp>
+        <p:nvSpPr>
+          <p:cNvPr id="124" name="Content Placeholder 2"/>
           <p:cNvSpPr txBox="1"/>
           <p:nvPr>
             <p:ph type="body" idx="1"/>
@@ -3938,8 +3970,8 @@
         </p:nvSpPr>
         <p:spPr>
           <a:xfrm>
-            <a:off x="317500" y="1132333"/>
-            <a:ext cx="8014742" cy="5456934"/>
+            <a:off x="457200" y="1943100"/>
+            <a:ext cx="7467600" cy="4040337"/>
           </a:xfrm>
           <a:prstGeom prst="rect">
             <a:avLst/>
@@ -3950,75 +3982,62 @@
           <a:lstStyle/>
           <a:p>
             <a:pPr lvl="1" marL="832103" indent="-384047" algn="just">
+              <a:lnSpc>
+                <a:spcPct val="90000"/>
+              </a:lnSpc>
               <a:buSzPct val="80000"/>
               <a:buChar char="⦿"/>
             </a:pPr>
             <a:r>
-              <a:t>Developed for smart phone operating systems, i.e. Android.</a:t>
+              <a:t>Allows user to click picture or upload from gallery.</a:t>
             </a:r>
           </a:p>
           <a:p>
             <a:pPr lvl="1" marL="832103" indent="-384047" algn="just">
+              <a:lnSpc>
+                <a:spcPct val="90000"/>
+              </a:lnSpc>
               <a:buSzPct val="80000"/>
               <a:buChar char="⦿"/>
             </a:pPr>
             <a:r>
-              <a:t>User friendly interface.</a:t>
+              <a:t>Shop using Image Analysis on uploaded images.</a:t>
             </a:r>
           </a:p>
           <a:p>
             <a:pPr lvl="1" marL="832103" indent="-384047" algn="just">
+              <a:lnSpc>
+                <a:spcPct val="90000"/>
+              </a:lnSpc>
               <a:buSzPct val="80000"/>
               <a:buChar char="⦿"/>
             </a:pPr>
             <a:r>
-              <a:t>Integration of augmented reality that allows visualization of furniture that a user may want to purchase.</a:t>
+              <a:t>Shop with/ without suggestions</a:t>
             </a:r>
           </a:p>
           <a:p>
             <a:pPr lvl="1" marL="832103" indent="-384047" algn="just">
+              <a:lnSpc>
+                <a:spcPct val="90000"/>
+              </a:lnSpc>
               <a:buSzPct val="80000"/>
               <a:buChar char="⦿"/>
             </a:pPr>
             <a:r>
-              <a:t>Image recognition allows the system to analyze a photo to determine the furniture's shape and color.</a:t>
+              <a:t>Varied category of shopping list</a:t>
             </a:r>
           </a:p>
           <a:p>
             <a:pPr lvl="1" marL="832103" indent="-384047" algn="just">
+              <a:lnSpc>
+                <a:spcPct val="90000"/>
+              </a:lnSpc>
               <a:buSzPct val="80000"/>
               <a:buChar char="⦿"/>
             </a:pPr>
             <a:r>
-              <a:t>Online retail searching using API services to view retailers catalogs</a:t>
-            </a:r>
-          </a:p>
-        </p:txBody>
-      </p:sp>
-      <p:sp>
-        <p:nvSpPr>
-          <p:cNvPr id="124" name="Title 1"/>
-          <p:cNvSpPr txBox="1"/>
-          <p:nvPr>
-            <p:ph type="title"/>
-          </p:nvPr>
-        </p:nvSpPr>
-        <p:spPr>
-          <a:xfrm>
-            <a:off x="838200" y="-55562"/>
-            <a:ext cx="7467600" cy="1143001"/>
-          </a:xfrm>
-          <a:prstGeom prst="rect">
-            <a:avLst/>
-          </a:prstGeom>
-        </p:spPr>
-        <p:txBody>
-          <a:bodyPr/>
-          <a:lstStyle/>
-          <a:p>
-            <a:pPr/>
-            <a:r>
-              <a:t>Feature List</a:t>
+              <a:t>Augmented Reality</a:t>
             </a:r>
           </a:p>
         </p:txBody>
@@ -4059,8 +4078,8 @@
         </p:nvSpPr>
         <p:spPr>
           <a:xfrm>
-            <a:off x="378767" y="1412105"/>
-            <a:ext cx="8030866" cy="5068244"/>
+            <a:off x="317500" y="1132333"/>
+            <a:ext cx="8014742" cy="5456934"/>
           </a:xfrm>
           <a:prstGeom prst="rect">
             <a:avLst/>
@@ -4070,72 +4089,48 @@
           <a:bodyPr/>
           <a:lstStyle/>
           <a:p>
-            <a:pPr/>
-          </a:p>
-          <a:p>
-            <a:pPr lvl="1" marL="722376" indent="-274320">
-              <a:spcBef>
-                <a:spcPts val="600"/>
-              </a:spcBef>
-              <a:defRPr sz="2600"/>
+            <a:pPr lvl="1" marL="832103" indent="-384047" algn="just">
+              <a:buSzPct val="80000"/>
+              <a:buChar char="⦿"/>
             </a:pPr>
             <a:r>
-              <a:t>Google Cloud Vision</a:t>
-            </a:r>
-          </a:p>
-          <a:p>
-            <a:pPr lvl="1" marL="722376" indent="-274320">
-              <a:spcBef>
-                <a:spcPts val="600"/>
-              </a:spcBef>
-              <a:defRPr sz="2600"/>
+              <a:t>Developed for smart phone operating systems, i.e. Android.</a:t>
+            </a:r>
+          </a:p>
+          <a:p>
+            <a:pPr lvl="1" marL="832103" indent="-384047" algn="just">
+              <a:buSzPct val="80000"/>
+              <a:buChar char="⦿"/>
             </a:pPr>
             <a:r>
-              <a:t>Twitter API for login</a:t>
-            </a:r>
-          </a:p>
-          <a:p>
-            <a:pPr lvl="1" marL="722376" indent="-274320">
-              <a:spcBef>
-                <a:spcPts val="600"/>
-              </a:spcBef>
-              <a:defRPr sz="2600"/>
+              <a:t>User friendly interface.</a:t>
+            </a:r>
+          </a:p>
+          <a:p>
+            <a:pPr lvl="1" marL="832103" indent="-384047" algn="just">
+              <a:buSzPct val="80000"/>
+              <a:buChar char="⦿"/>
             </a:pPr>
             <a:r>
-              <a:t>Google Network Framework - Android's Volley Framework</a:t>
-            </a:r>
-          </a:p>
-          <a:p>
-            <a:pPr lvl="1" marL="722376" indent="-274320">
-              <a:spcBef>
-                <a:spcPts val="600"/>
-              </a:spcBef>
-              <a:defRPr sz="2600"/>
+              <a:t>Integration of augmented reality that allows visualization of furniture that a user may want to purchase.</a:t>
+            </a:r>
+          </a:p>
+          <a:p>
+            <a:pPr lvl="1" marL="832103" indent="-384047" algn="just">
+              <a:buSzPct val="80000"/>
+              <a:buChar char="⦿"/>
             </a:pPr>
             <a:r>
-              <a:t>Indix API for Product Search</a:t>
-            </a:r>
-          </a:p>
-          <a:p>
-            <a:pPr lvl="1" marL="722376" indent="-274320">
-              <a:spcBef>
-                <a:spcPts val="600"/>
-              </a:spcBef>
-              <a:defRPr sz="2600"/>
+              <a:t>Image recognition allows the system to analyze a photo to determine the furniture's shape and color.</a:t>
+            </a:r>
+          </a:p>
+          <a:p>
+            <a:pPr lvl="1" marL="832103" indent="-384047" algn="just">
+              <a:buSzPct val="80000"/>
+              <a:buChar char="⦿"/>
             </a:pPr>
             <a:r>
-              <a:t>Charts for Android</a:t>
-            </a:r>
-          </a:p>
-          <a:p>
-            <a:pPr lvl="1" marL="722376" indent="-274320">
-              <a:spcBef>
-                <a:spcPts val="600"/>
-              </a:spcBef>
-              <a:defRPr sz="2600"/>
-            </a:pPr>
-            <a:r>
-              <a:t>Firebase for authentication and storage</a:t>
+              <a:t>Online retail searching using API services to view retailers catalogs</a:t>
             </a:r>
           </a:p>
         </p:txBody>
@@ -4150,7 +4145,7 @@
         </p:nvSpPr>
         <p:spPr>
           <a:xfrm>
-            <a:off x="838200" y="84138"/>
+            <a:off x="838200" y="-55562"/>
             <a:ext cx="7467600" cy="1143001"/>
           </a:xfrm>
           <a:prstGeom prst="rect">
@@ -4163,7 +4158,7 @@
           <a:p>
             <a:pPr/>
             <a:r>
-              <a:t>Technologies</a:t>
+              <a:t>Feature List</a:t>
             </a:r>
           </a:p>
         </p:txBody>
@@ -4196,31 +4191,7 @@
       </p:grpSpPr>
       <p:sp>
         <p:nvSpPr>
-          <p:cNvPr id="129" name="Title 1"/>
-          <p:cNvSpPr txBox="1"/>
-          <p:nvPr>
-            <p:ph type="title"/>
-          </p:nvPr>
-        </p:nvSpPr>
-        <p:spPr>
-          <a:prstGeom prst="rect">
-            <a:avLst/>
-          </a:prstGeom>
-        </p:spPr>
-        <p:txBody>
-          <a:bodyPr/>
-          <a:lstStyle/>
-          <a:p>
-            <a:pPr/>
-            <a:r>
-              <a:t>Issues</a:t>
-            </a:r>
-          </a:p>
-        </p:txBody>
-      </p:sp>
-      <p:sp>
-        <p:nvSpPr>
-          <p:cNvPr id="130" name="Content Placeholder 2"/>
+          <p:cNvPr id="129" name="Content Placeholder 2"/>
           <p:cNvSpPr txBox="1"/>
           <p:nvPr>
             <p:ph type="body" idx="1"/>
@@ -4228,8 +4199,8 @@
         </p:nvSpPr>
         <p:spPr>
           <a:xfrm>
-            <a:off x="457200" y="1600200"/>
-            <a:ext cx="7467600" cy="4525963"/>
+            <a:off x="378767" y="1412105"/>
+            <a:ext cx="8030866" cy="5068244"/>
           </a:xfrm>
           <a:prstGeom prst="rect">
             <a:avLst/>
@@ -4239,7 +4210,131 @@
           <a:bodyPr/>
           <a:lstStyle/>
           <a:p>
+            <a:pPr lvl="1" marL="722376" indent="-274320">
+              <a:spcBef>
+                <a:spcPts val="600"/>
+              </a:spcBef>
+              <a:defRPr sz="2600"/>
+            </a:pPr>
+            <a:r>
+              <a:t>Google Cloud Vision</a:t>
+            </a:r>
+          </a:p>
+          <a:p>
+            <a:pPr lvl="1" marL="722376" indent="-274320">
+              <a:spcBef>
+                <a:spcPts val="600"/>
+              </a:spcBef>
+              <a:defRPr sz="2600"/>
+            </a:pPr>
+            <a:r>
+              <a:t>Twitter API for login</a:t>
+            </a:r>
+          </a:p>
+          <a:p>
+            <a:pPr lvl="1" marL="722376" indent="-274320">
+              <a:spcBef>
+                <a:spcPts val="600"/>
+              </a:spcBef>
+              <a:defRPr sz="2600"/>
+            </a:pPr>
+            <a:r>
+              <a:t>Google Network Framework - Android's Volley Framework</a:t>
+            </a:r>
+          </a:p>
+          <a:p>
+            <a:pPr lvl="1" marL="722376" indent="-274320">
+              <a:spcBef>
+                <a:spcPts val="600"/>
+              </a:spcBef>
+              <a:defRPr sz="2600"/>
+            </a:pPr>
+            <a:r>
+              <a:t>Indix API for Product Search</a:t>
+            </a:r>
+          </a:p>
+          <a:p>
+            <a:pPr lvl="1" marL="722376" indent="-274320">
+              <a:spcBef>
+                <a:spcPts val="600"/>
+              </a:spcBef>
+              <a:defRPr sz="2600"/>
+            </a:pPr>
+            <a:r>
+              <a:t>Charts for Android</a:t>
+            </a:r>
+          </a:p>
+          <a:p>
+            <a:pPr lvl="1" marL="722376" indent="-274320">
+              <a:spcBef>
+                <a:spcPts val="600"/>
+              </a:spcBef>
+              <a:defRPr sz="2600"/>
+            </a:pPr>
+            <a:r>
+              <a:t>Mongo db &amp; MLabs</a:t>
+            </a:r>
+          </a:p>
+          <a:p>
+            <a:pPr lvl="1" marL="722376" indent="-274320">
+              <a:spcBef>
+                <a:spcPts val="600"/>
+              </a:spcBef>
+              <a:defRPr sz="2600"/>
+            </a:pPr>
+            <a:r>
+              <a:t>Unity</a:t>
+            </a:r>
+          </a:p>
+          <a:p>
+            <a:pPr lvl="1" marL="722376" indent="-274320">
+              <a:spcBef>
+                <a:spcPts val="600"/>
+              </a:spcBef>
+              <a:defRPr sz="2600"/>
+            </a:pPr>
+            <a:r>
+              <a:t>Vuforia Image Modelling</a:t>
+            </a:r>
+          </a:p>
+          <a:p>
+            <a:pPr lvl="1" marL="722376" indent="-274320">
+              <a:spcBef>
+                <a:spcPts val="600"/>
+              </a:spcBef>
+              <a:defRPr sz="2600"/>
+            </a:pPr>
+            <a:r>
+              <a:t>Firebase for authentication and storage</a:t>
+            </a:r>
+          </a:p>
+        </p:txBody>
+      </p:sp>
+      <p:sp>
+        <p:nvSpPr>
+          <p:cNvPr id="130" name="Title 1"/>
+          <p:cNvSpPr txBox="1"/>
+          <p:nvPr>
+            <p:ph type="title"/>
+          </p:nvPr>
+        </p:nvSpPr>
+        <p:spPr>
+          <a:xfrm>
+            <a:off x="838200" y="84138"/>
+            <a:ext cx="7467600" cy="1143001"/>
+          </a:xfrm>
+          <a:prstGeom prst="rect">
+            <a:avLst/>
+          </a:prstGeom>
+        </p:spPr>
+        <p:txBody>
+          <a:bodyPr/>
+          <a:lstStyle/>
+          <a:p>
             <a:pPr/>
+            <a:r>
+              <a:t>Technologies Used</a:t>
+            </a:r>
           </a:p>
         </p:txBody>
       </p:sp>
@@ -4278,6 +4373,96 @@
           </p:nvPr>
         </p:nvSpPr>
         <p:spPr>
+          <a:prstGeom prst="rect">
+            <a:avLst/>
+          </a:prstGeom>
+        </p:spPr>
+        <p:txBody>
+          <a:bodyPr/>
+          <a:lstStyle/>
+          <a:p>
+            <a:pPr/>
+            <a:r>
+              <a:t>Issues</a:t>
+            </a:r>
+          </a:p>
+        </p:txBody>
+      </p:sp>
+      <p:sp>
+        <p:nvSpPr>
+          <p:cNvPr id="133" name="Content Placeholder 2"/>
+          <p:cNvSpPr txBox="1"/>
+          <p:nvPr>
+            <p:ph type="body" idx="1"/>
+          </p:nvPr>
+        </p:nvSpPr>
+        <p:spPr>
+          <a:xfrm>
+            <a:off x="457200" y="1600200"/>
+            <a:ext cx="7467600" cy="4525963"/>
+          </a:xfrm>
+          <a:prstGeom prst="rect">
+            <a:avLst/>
+          </a:prstGeom>
+        </p:spPr>
+        <p:txBody>
+          <a:bodyPr/>
+          <a:lstStyle/>
+          <a:p>
+            <a:pPr/>
+            <a:r>
+              <a:t>Integrating Unity with Android</a:t>
+            </a:r>
+          </a:p>
+          <a:p>
+            <a:pPr/>
+            <a:r>
+              <a:t>Navigation from Unity to Android</a:t>
+            </a:r>
+          </a:p>
+          <a:p>
+            <a:pPr/>
+            <a:r>
+              <a:t>Integration of the whole Application</a:t>
+            </a:r>
+          </a:p>
+        </p:txBody>
+      </p:sp>
+    </p:spTree>
+  </p:cSld>
+  <p:clrMapOvr>
+    <a:masterClrMapping/>
+  </p:clrMapOvr>
+  <p:transition xmlns:p14="http://schemas.microsoft.com/office/powerpoint/2010/main" spd="med" advClick="1"/>
+</p:sld>
+</file>
+
+<file path=ppt/slides/slide7.xml><?xml version="1.0" encoding="utf-8"?>
+<p:sld xmlns:a="http://schemas.openxmlformats.org/drawingml/2006/main" xmlns:r="http://schemas.openxmlformats.org/officeDocument/2006/relationships" xmlns:p="http://schemas.openxmlformats.org/presentationml/2006/main" showMasterSp="1" showMasterPhAnim="1">
+  <p:cSld>
+    <p:spTree>
+      <p:nvGrpSpPr>
+        <p:cNvPr id="1" name=""/>
+        <p:cNvGrpSpPr/>
+        <p:nvPr/>
+      </p:nvGrpSpPr>
+      <p:grpSpPr>
+        <a:xfrm>
+          <a:off x="0" y="0"/>
+          <a:ext cx="0" cy="0"/>
+          <a:chOff x="0" y="0"/>
+          <a:chExt cx="0" cy="0"/>
+        </a:xfrm>
+      </p:grpSpPr>
+      <p:sp>
+        <p:nvSpPr>
+          <p:cNvPr id="135" name="Title 1"/>
+          <p:cNvSpPr txBox="1"/>
+          <p:nvPr>
+            <p:ph type="title"/>
+          </p:nvPr>
+        </p:nvSpPr>
+        <p:spPr>
           <a:xfrm>
             <a:off x="101600" y="122238"/>
             <a:ext cx="3648274" cy="1143001"/>
@@ -4309,21 +4494,21 @@
       </p:sp>
       <p:grpSp>
         <p:nvGrpSpPr>
-          <p:cNvPr id="140" name="Group"/>
+          <p:cNvPr id="143" name="Group"/>
           <p:cNvGrpSpPr/>
           <p:nvPr/>
         </p:nvGrpSpPr>
         <p:grpSpPr>
           <a:xfrm>
             <a:off x="-20484" y="583157"/>
-            <a:ext cx="9200409" cy="6352861"/>
+            <a:ext cx="9200410" cy="6352861"/>
             <a:chOff x="0" y="0"/>
             <a:chExt cx="9200408" cy="6352859"/>
           </a:xfrm>
         </p:grpSpPr>
         <p:pic>
           <p:nvPicPr>
-            <p:cNvPr id="133" name="Image" descr="Image"/>
+            <p:cNvPr id="136" name="Image" descr="Image"/>
             <p:cNvPicPr>
               <a:picLocks noChangeAspect="1"/>
             </p:cNvPicPr>
@@ -4339,101 +4524,8 @@
           </p:blipFill>
           <p:spPr>
             <a:xfrm>
-              <a:off x="0" y="2312442"/>
-              <a:ext cx="2463352" cy="4040418"/>
-            </a:xfrm>
-            <a:prstGeom prst="rect">
-              <a:avLst/>
-            </a:prstGeom>
-            <a:ln w="12700" cap="flat">
-              <a:noFill/>
-              <a:miter lim="400000"/>
-            </a:ln>
-            <a:effectLst/>
-          </p:spPr>
-        </p:pic>
-        <p:pic>
-          <p:nvPicPr>
-            <p:cNvPr id="134" name="Image" descr="Image"/>
-            <p:cNvPicPr>
-              <a:picLocks noChangeAspect="1"/>
-            </p:cNvPicPr>
-            <p:nvPr/>
-          </p:nvPicPr>
-          <p:blipFill>
-            <a:blip r:embed="rId3">
-              <a:extLst/>
-            </a:blip>
-            <a:stretch>
-              <a:fillRect/>
-            </a:stretch>
-          </p:blipFill>
-          <p:spPr>
-            <a:xfrm>
-              <a:off x="4878744" y="0"/>
-              <a:ext cx="4260340" cy="2943289"/>
-            </a:xfrm>
-            <a:prstGeom prst="rect">
-              <a:avLst/>
-            </a:prstGeom>
-            <a:ln w="12700" cap="flat">
-              <a:noFill/>
-              <a:miter lim="400000"/>
-            </a:ln>
-            <a:effectLst/>
-          </p:spPr>
-        </p:pic>
-        <p:pic>
-          <p:nvPicPr>
-            <p:cNvPr id="135" name="Image" descr="Image"/>
-            <p:cNvPicPr>
-              <a:picLocks noChangeAspect="1"/>
-            </p:cNvPicPr>
-            <p:nvPr/>
-          </p:nvPicPr>
-          <p:blipFill>
-            <a:blip r:embed="rId4">
-              <a:extLst/>
-            </a:blip>
-            <a:stretch>
-              <a:fillRect/>
-            </a:stretch>
-          </p:blipFill>
-          <p:spPr>
-            <a:xfrm>
-              <a:off x="1405708" y="2312442"/>
-              <a:ext cx="2420097" cy="3961906"/>
-            </a:xfrm>
-            <a:prstGeom prst="rect">
-              <a:avLst/>
-            </a:prstGeom>
-            <a:ln w="12700" cap="flat">
-              <a:noFill/>
-              <a:miter lim="400000"/>
-            </a:ln>
-            <a:effectLst/>
-          </p:spPr>
-        </p:pic>
-        <p:pic>
-          <p:nvPicPr>
-            <p:cNvPr id="136" name="Image" descr="Image"/>
-            <p:cNvPicPr>
-              <a:picLocks noChangeAspect="1"/>
-            </p:cNvPicPr>
-            <p:nvPr/>
-          </p:nvPicPr>
-          <p:blipFill>
-            <a:blip r:embed="rId5">
-              <a:extLst/>
-            </a:blip>
-            <a:stretch>
-              <a:fillRect/>
-            </a:stretch>
-          </p:blipFill>
-          <p:spPr>
-            <a:xfrm>
-              <a:off x="3434006" y="2312442"/>
-              <a:ext cx="2420097" cy="3884383"/>
+              <a:off x="0" y="2312441"/>
+              <a:ext cx="2463352" cy="4040419"/>
             </a:xfrm>
             <a:prstGeom prst="rect">
               <a:avLst/>
@@ -4454,7 +4546,7 @@
             <p:nvPr/>
           </p:nvPicPr>
           <p:blipFill>
-            <a:blip r:embed="rId6">
+            <a:blip r:embed="rId3">
               <a:extLst/>
             </a:blip>
             <a:stretch>
@@ -4463,8 +4555,8 @@
           </p:blipFill>
           <p:spPr>
             <a:xfrm>
-              <a:off x="6977156" y="2234424"/>
-              <a:ext cx="2223253" cy="4040419"/>
+              <a:off x="4878744" y="0"/>
+              <a:ext cx="4260341" cy="2943289"/>
             </a:xfrm>
             <a:prstGeom prst="rect">
               <a:avLst/>
@@ -4479,6 +4571,99 @@
         <p:pic>
           <p:nvPicPr>
             <p:cNvPr id="138" name="Image" descr="Image"/>
+            <p:cNvPicPr>
+              <a:picLocks noChangeAspect="1"/>
+            </p:cNvPicPr>
+            <p:nvPr/>
+          </p:nvPicPr>
+          <p:blipFill>
+            <a:blip r:embed="rId4">
+              <a:extLst/>
+            </a:blip>
+            <a:stretch>
+              <a:fillRect/>
+            </a:stretch>
+          </p:blipFill>
+          <p:spPr>
+            <a:xfrm>
+              <a:off x="1405708" y="2312441"/>
+              <a:ext cx="2420097" cy="3961907"/>
+            </a:xfrm>
+            <a:prstGeom prst="rect">
+              <a:avLst/>
+            </a:prstGeom>
+            <a:ln w="12700" cap="flat">
+              <a:noFill/>
+              <a:miter lim="400000"/>
+            </a:ln>
+            <a:effectLst/>
+          </p:spPr>
+        </p:pic>
+        <p:pic>
+          <p:nvPicPr>
+            <p:cNvPr id="139" name="Image" descr="Image"/>
+            <p:cNvPicPr>
+              <a:picLocks noChangeAspect="1"/>
+            </p:cNvPicPr>
+            <p:nvPr/>
+          </p:nvPicPr>
+          <p:blipFill>
+            <a:blip r:embed="rId5">
+              <a:extLst/>
+            </a:blip>
+            <a:stretch>
+              <a:fillRect/>
+            </a:stretch>
+          </p:blipFill>
+          <p:spPr>
+            <a:xfrm>
+              <a:off x="3434006" y="2312441"/>
+              <a:ext cx="2420097" cy="3884384"/>
+            </a:xfrm>
+            <a:prstGeom prst="rect">
+              <a:avLst/>
+            </a:prstGeom>
+            <a:ln w="12700" cap="flat">
+              <a:noFill/>
+              <a:miter lim="400000"/>
+            </a:ln>
+            <a:effectLst/>
+          </p:spPr>
+        </p:pic>
+        <p:pic>
+          <p:nvPicPr>
+            <p:cNvPr id="140" name="Image" descr="Image"/>
+            <p:cNvPicPr>
+              <a:picLocks noChangeAspect="1"/>
+            </p:cNvPicPr>
+            <p:nvPr/>
+          </p:nvPicPr>
+          <p:blipFill>
+            <a:blip r:embed="rId6">
+              <a:extLst/>
+            </a:blip>
+            <a:stretch>
+              <a:fillRect/>
+            </a:stretch>
+          </p:blipFill>
+          <p:spPr>
+            <a:xfrm>
+              <a:off x="6977157" y="2234424"/>
+              <a:ext cx="2223252" cy="4040418"/>
+            </a:xfrm>
+            <a:prstGeom prst="rect">
+              <a:avLst/>
+            </a:prstGeom>
+            <a:ln w="12700" cap="flat">
+              <a:noFill/>
+              <a:miter lim="400000"/>
+            </a:ln>
+            <a:effectLst/>
+          </p:spPr>
+        </p:pic>
+        <p:pic>
+          <p:nvPicPr>
+            <p:cNvPr id="141" name="Image" descr="Image"/>
             <p:cNvPicPr>
               <a:picLocks noChangeAspect="1"/>
             </p:cNvPicPr>
@@ -4509,7 +4694,7 @@
         </p:pic>
         <p:pic>
           <p:nvPicPr>
-            <p:cNvPr id="139" name="Image" descr="Image"/>
+            <p:cNvPr id="142" name="Image" descr="Image"/>
             <p:cNvPicPr>
               <a:picLocks noChangeAspect="1"/>
             </p:cNvPicPr>
@@ -4548,7 +4733,7 @@
 </p:sld>
 </file>
 
-<file path=ppt/slides/slide7.xml><?xml version="1.0" encoding="utf-8"?>
+<file path=ppt/slides/slide8.xml><?xml version="1.0" encoding="utf-8"?>
 <p:sld xmlns:a="http://schemas.openxmlformats.org/drawingml/2006/main" xmlns:r="http://schemas.openxmlformats.org/officeDocument/2006/relationships" xmlns:p="http://schemas.openxmlformats.org/presentationml/2006/main" showMasterSp="1" showMasterPhAnim="1">
   <p:cSld>
     <p:spTree>
@@ -4567,7 +4752,7 @@
       </p:grpSpPr>
       <p:sp>
         <p:nvSpPr>
-          <p:cNvPr id="142" name="Title 1"/>
+          <p:cNvPr id="145" name="Title 1"/>
           <p:cNvSpPr txBox="1"/>
           <p:nvPr>
             <p:ph type="title"/>
@@ -4591,7 +4776,7 @@
       </p:sp>
       <p:sp>
         <p:nvSpPr>
-          <p:cNvPr id="143" name="Content Placeholder 2"/>
+          <p:cNvPr id="146" name="Content Placeholder 2"/>
           <p:cNvSpPr txBox="1"/>
           <p:nvPr>
             <p:ph type="body" idx="1"/>
@@ -4612,10 +4797,7 @@
           <a:p>
             <a:pPr/>
             <a:r>
-              <a:rPr u="sng">
-                <a:solidFill>
-                  <a:srgbClr val="00C8C3"/>
-                </a:solidFill>
+              <a:rPr>
                 <a:uFill>
                   <a:solidFill>
                     <a:srgbClr val="00C8C3"/>
@@ -4625,19 +4807,11 @@
               </a:rPr>
               <a:t>https://developer.indix.com/docs</a:t>
             </a:r>
-            <a:endParaRPr>
-              <a:solidFill>
-                <a:srgbClr val="24292E"/>
-              </a:solidFill>
-            </a:endParaRPr>
           </a:p>
           <a:p>
             <a:pPr/>
             <a:r>
-              <a:rPr u="sng">
-                <a:solidFill>
-                  <a:srgbClr val="00C8C3"/>
-                </a:solidFill>
+              <a:rPr>
                 <a:uFill>
                   <a:solidFill>
                     <a:srgbClr val="00C8C3"/>
@@ -4651,10 +4825,7 @@
           <a:p>
             <a:pPr/>
             <a:r>
-              <a:rPr u="sng">
-                <a:solidFill>
-                  <a:srgbClr val="00C8C3"/>
-                </a:solidFill>
+              <a:rPr>
                 <a:uFill>
                   <a:solidFill>
                     <a:srgbClr val="00C8C3"/>
@@ -4668,10 +4839,7 @@
           <a:p>
             <a:pPr/>
             <a:r>
-              <a:rPr u="sng">
-                <a:solidFill>
-                  <a:srgbClr val="00C8C3"/>
-                </a:solidFill>
+              <a:rPr>
                 <a:uFill>
                   <a:solidFill>
                     <a:srgbClr val="00C8C3"/>
@@ -4685,10 +4853,7 @@
           <a:p>
             <a:pPr/>
             <a:r>
-              <a:rPr u="sng">
-                <a:solidFill>
-                  <a:srgbClr val="00C8C3"/>
-                </a:solidFill>
+              <a:rPr>
                 <a:uFill>
                   <a:solidFill>
                     <a:srgbClr val="00C8C3"/>

--- a/Documentation/Increment3/PPT/Increment 3 -  Smart Shopping.pptx
+++ b/Documentation/Increment3/PPT/Increment 3 -  Smart Shopping.pptx
@@ -16,6 +16,7 @@
     <p:sldId id="261" r:id="rId13"/>
     <p:sldId id="262" r:id="rId14"/>
     <p:sldId id="263" r:id="rId15"/>
+    <p:sldId id="264" r:id="rId16"/>
   </p:sldIdLst>
   <p:sldSz cx="9144000" cy="6858000"/>
   <p:notesSz cx="6858000" cy="9144000"/>
@@ -4383,7 +4384,7 @@
           <a:p>
             <a:pPr/>
             <a:r>
-              <a:t>Issues</a:t>
+              <a:t>Issues faced</a:t>
             </a:r>
           </a:p>
         </p:txBody>
@@ -4416,9 +4417,15 @@
           </a:p>
           <a:p>
             <a:pPr/>
+          </a:p>
+          <a:p>
+            <a:pPr/>
             <a:r>
               <a:t>Navigation from Unity to Android</a:t>
             </a:r>
+          </a:p>
+          <a:p>
+            <a:pPr/>
           </a:p>
           <a:p>
             <a:pPr/>
@@ -4463,6 +4470,102 @@
           </p:nvPr>
         </p:nvSpPr>
         <p:spPr>
+          <a:prstGeom prst="rect">
+            <a:avLst/>
+          </a:prstGeom>
+        </p:spPr>
+        <p:txBody>
+          <a:bodyPr/>
+          <a:lstStyle/>
+          <a:p>
+            <a:pPr/>
+            <a:r>
+              <a:t>Pending Work</a:t>
+            </a:r>
+          </a:p>
+        </p:txBody>
+      </p:sp>
+      <p:sp>
+        <p:nvSpPr>
+          <p:cNvPr id="136" name="Content Placeholder 2"/>
+          <p:cNvSpPr txBox="1"/>
+          <p:nvPr>
+            <p:ph type="body" idx="1"/>
+          </p:nvPr>
+        </p:nvSpPr>
+        <p:spPr>
+          <a:xfrm>
+            <a:off x="457200" y="1600200"/>
+            <a:ext cx="7467600" cy="4525963"/>
+          </a:xfrm>
+          <a:prstGeom prst="rect">
+            <a:avLst/>
+          </a:prstGeom>
+        </p:spPr>
+        <p:txBody>
+          <a:bodyPr/>
+          <a:lstStyle/>
+          <a:p>
+            <a:pPr/>
+            <a:r>
+              <a:t>Making the UI more appealing.</a:t>
+            </a:r>
+          </a:p>
+          <a:p>
+            <a:pPr/>
+          </a:p>
+          <a:p>
+            <a:pPr/>
+            <a:r>
+              <a:t>Adding store location with Google maps if, time allows</a:t>
+            </a:r>
+          </a:p>
+          <a:p>
+            <a:pPr/>
+          </a:p>
+          <a:p>
+            <a:pPr/>
+            <a:r>
+              <a:t>Social Media Integration</a:t>
+            </a:r>
+          </a:p>
+        </p:txBody>
+      </p:sp>
+    </p:spTree>
+  </p:cSld>
+  <p:clrMapOvr>
+    <a:masterClrMapping/>
+  </p:clrMapOvr>
+  <p:transition xmlns:p14="http://schemas.microsoft.com/office/powerpoint/2010/main" spd="med" advClick="1"/>
+</p:sld>
+</file>
+
+<file path=ppt/slides/slide8.xml><?xml version="1.0" encoding="utf-8"?>
+<p:sld xmlns:a="http://schemas.openxmlformats.org/drawingml/2006/main" xmlns:r="http://schemas.openxmlformats.org/officeDocument/2006/relationships" xmlns:p="http://schemas.openxmlformats.org/presentationml/2006/main" showMasterSp="1" showMasterPhAnim="1">
+  <p:cSld>
+    <p:spTree>
+      <p:nvGrpSpPr>
+        <p:cNvPr id="1" name=""/>
+        <p:cNvGrpSpPr/>
+        <p:nvPr/>
+      </p:nvGrpSpPr>
+      <p:grpSpPr>
+        <a:xfrm>
+          <a:off x="0" y="0"/>
+          <a:ext cx="0" cy="0"/>
+          <a:chOff x="0" y="0"/>
+          <a:chExt cx="0" cy="0"/>
+        </a:xfrm>
+      </p:grpSpPr>
+      <p:sp>
+        <p:nvSpPr>
+          <p:cNvPr id="138" name="Title 1"/>
+          <p:cNvSpPr txBox="1"/>
+          <p:nvPr>
+            <p:ph type="title"/>
+          </p:nvPr>
+        </p:nvSpPr>
+        <p:spPr>
           <a:xfrm>
             <a:off x="101600" y="122238"/>
             <a:ext cx="3648274" cy="1143001"/>
@@ -4494,7 +4597,7 @@
       </p:sp>
       <p:grpSp>
         <p:nvGrpSpPr>
-          <p:cNvPr id="143" name="Group"/>
+          <p:cNvPr id="146" name="Group"/>
           <p:cNvGrpSpPr/>
           <p:nvPr/>
         </p:nvGrpSpPr>
@@ -4508,7 +4611,7 @@
         </p:grpSpPr>
         <p:pic>
           <p:nvPicPr>
-            <p:cNvPr id="136" name="Image" descr="Image"/>
+            <p:cNvPr id="139" name="Image" descr="Image"/>
             <p:cNvPicPr>
               <a:picLocks noChangeAspect="1"/>
             </p:cNvPicPr>
@@ -4539,7 +4642,7 @@
         </p:pic>
         <p:pic>
           <p:nvPicPr>
-            <p:cNvPr id="137" name="Image" descr="Image"/>
+            <p:cNvPr id="140" name="Image" descr="Image"/>
             <p:cNvPicPr>
               <a:picLocks noChangeAspect="1"/>
             </p:cNvPicPr>
@@ -4570,7 +4673,7 @@
         </p:pic>
         <p:pic>
           <p:nvPicPr>
-            <p:cNvPr id="138" name="Image" descr="Image"/>
+            <p:cNvPr id="141" name="Image" descr="Image"/>
             <p:cNvPicPr>
               <a:picLocks noChangeAspect="1"/>
             </p:cNvPicPr>
@@ -4601,7 +4704,7 @@
         </p:pic>
         <p:pic>
           <p:nvPicPr>
-            <p:cNvPr id="139" name="Image" descr="Image"/>
+            <p:cNvPr id="142" name="Image" descr="Image"/>
             <p:cNvPicPr>
               <a:picLocks noChangeAspect="1"/>
             </p:cNvPicPr>
@@ -4632,7 +4735,7 @@
         </p:pic>
         <p:pic>
           <p:nvPicPr>
-            <p:cNvPr id="140" name="Image" descr="Image"/>
+            <p:cNvPr id="143" name="Image" descr="Image"/>
             <p:cNvPicPr>
               <a:picLocks noChangeAspect="1"/>
             </p:cNvPicPr>
@@ -4663,7 +4766,7 @@
         </p:pic>
         <p:pic>
           <p:nvPicPr>
-            <p:cNvPr id="141" name="Image" descr="Image"/>
+            <p:cNvPr id="144" name="Image" descr="Image"/>
             <p:cNvPicPr>
               <a:picLocks noChangeAspect="1"/>
             </p:cNvPicPr>
@@ -4694,7 +4797,7 @@
         </p:pic>
         <p:pic>
           <p:nvPicPr>
-            <p:cNvPr id="142" name="Image" descr="Image"/>
+            <p:cNvPr id="145" name="Image" descr="Image"/>
             <p:cNvPicPr>
               <a:picLocks noChangeAspect="1"/>
             </p:cNvPicPr>
@@ -4733,7 +4836,7 @@
 </p:sld>
 </file>
 
-<file path=ppt/slides/slide8.xml><?xml version="1.0" encoding="utf-8"?>
+<file path=ppt/slides/slide9.xml><?xml version="1.0" encoding="utf-8"?>
 <p:sld xmlns:a="http://schemas.openxmlformats.org/drawingml/2006/main" xmlns:r="http://schemas.openxmlformats.org/officeDocument/2006/relationships" xmlns:p="http://schemas.openxmlformats.org/presentationml/2006/main" showMasterSp="1" showMasterPhAnim="1">
   <p:cSld>
     <p:spTree>
@@ -4752,7 +4855,7 @@
       </p:grpSpPr>
       <p:sp>
         <p:nvSpPr>
-          <p:cNvPr id="145" name="Title 1"/>
+          <p:cNvPr id="148" name="Title 1"/>
           <p:cNvSpPr txBox="1"/>
           <p:nvPr>
             <p:ph type="title"/>
@@ -4776,7 +4879,7 @@
       </p:sp>
       <p:sp>
         <p:nvSpPr>
-          <p:cNvPr id="146" name="Content Placeholder 2"/>
+          <p:cNvPr id="149" name="Content Placeholder 2"/>
           <p:cNvSpPr txBox="1"/>
           <p:nvPr>
             <p:ph type="body" idx="1"/>
@@ -4795,7 +4898,19 @@
           <a:bodyPr/>
           <a:lstStyle/>
           <a:p>
-            <a:pPr/>
+            <a:pPr marL="349117" indent="-318759" defTabSz="758951">
+              <a:spcBef>
+                <a:spcPts val="500"/>
+              </a:spcBef>
+              <a:defRPr sz="2490"/>
+            </a:pPr>
+            <a:r>
+              <a:rPr u="sng"/>
+              <a:t>Indix API:</a:t>
+            </a:r>
+            <a:r>
+              <a:t> </a:t>
+            </a:r>
             <a:r>
               <a:rPr>
                 <a:uFill>
@@ -4809,7 +4924,19 @@
             </a:r>
           </a:p>
           <a:p>
-            <a:pPr/>
+            <a:pPr marL="349117" indent="-318759" defTabSz="758951">
+              <a:spcBef>
+                <a:spcPts val="500"/>
+              </a:spcBef>
+              <a:defRPr sz="2490"/>
+            </a:pPr>
+            <a:r>
+              <a:rPr u="sng"/>
+              <a:t>Unity tutorials:</a:t>
+            </a:r>
+            <a:r>
+              <a:t> </a:t>
+            </a:r>
             <a:r>
               <a:rPr>
                 <a:uFill>
@@ -4823,7 +4950,19 @@
             </a:r>
           </a:p>
           <a:p>
-            <a:pPr/>
+            <a:pPr marL="349117" indent="-318759" defTabSz="758951">
+              <a:spcBef>
+                <a:spcPts val="500"/>
+              </a:spcBef>
+              <a:defRPr sz="2490"/>
+            </a:pPr>
+            <a:r>
+              <a:rPr u="sng"/>
+              <a:t>Twitter developer console:</a:t>
+            </a:r>
+            <a:r>
+              <a:t> </a:t>
+            </a:r>
             <a:r>
               <a:rPr>
                 <a:uFill>
@@ -4837,7 +4976,19 @@
             </a:r>
           </a:p>
           <a:p>
-            <a:pPr/>
+            <a:pPr marL="349117" indent="-318759" defTabSz="758951">
+              <a:spcBef>
+                <a:spcPts val="500"/>
+              </a:spcBef>
+              <a:defRPr sz="2490"/>
+            </a:pPr>
+            <a:r>
+              <a:rPr u="sng"/>
+              <a:t>Google vision API:</a:t>
+            </a:r>
+            <a:r>
+              <a:t> </a:t>
+            </a:r>
             <a:r>
               <a:rPr>
                 <a:uFill>
@@ -4851,7 +5002,16 @@
             </a:r>
           </a:p>
           <a:p>
-            <a:pPr/>
+            <a:pPr marL="349117" indent="-318759" defTabSz="758951">
+              <a:spcBef>
+                <a:spcPts val="500"/>
+              </a:spcBef>
+              <a:defRPr sz="2490"/>
+            </a:pPr>
+            <a:r>
+              <a:rPr u="sng"/>
+              <a:t>Firebase Authentication: </a:t>
+            </a:r>
             <a:r>
               <a:rPr>
                 <a:uFill>
